--- a/slides/01_Utilizacao do Redis.pptx
+++ b/slides/01_Utilizacao do Redis.pptx
@@ -9788,11 +9788,7 @@
             </a:pPr>
             <a:r>
               <a:rPr lang="pt-BR" dirty="0" smtClean="0"/>
-              <a:t>Utilizar </a:t>
-            </a:r>
-            <a:r>
-              <a:rPr lang="pt-BR" dirty="0" smtClean="0"/>
-              <a:t>diferentes clientes para interagir com o Redis</a:t>
+              <a:t>Utilizar diferentes clientes para interagir com o Redis</a:t>
             </a:r>
             <a:endParaRPr lang="pt-BR" dirty="0"/>
           </a:p>
@@ -9833,11 +9829,7 @@
             </a:pPr>
             <a:r>
               <a:rPr lang="pt-BR" dirty="0" smtClean="0"/>
-              <a:t>Através de scripts </a:t>
-            </a:r>
-            <a:r>
-              <a:rPr lang="pt-BR" dirty="0" smtClean="0"/>
-              <a:t>Lua</a:t>
+              <a:t>Através de scripts Lua</a:t>
             </a:r>
           </a:p>
           <a:p>
@@ -9853,7 +9845,6 @@
               <a:rPr lang="pt-BR" dirty="0" smtClean="0"/>
               <a:t>do uso do Redis</a:t>
             </a:r>
-            <a:endParaRPr lang="pt-BR" dirty="0" smtClean="0"/>
           </a:p>
           <a:p>
             <a:pPr marL="627062" lvl="1" indent="-285750">
@@ -12383,11 +12374,7 @@
             </a:pPr>
             <a:r>
               <a:rPr lang="pt-BR" dirty="0" smtClean="0"/>
-              <a:t>Opções de segurança </a:t>
-            </a:r>
-            <a:r>
-              <a:rPr lang="pt-BR" dirty="0" smtClean="0"/>
-              <a:t>em uma instalação de Redis</a:t>
+              <a:t>Opções de segurança em uma instalação de Redis</a:t>
             </a:r>
           </a:p>
           <a:p>
@@ -13074,17 +13061,7 @@
                 <a:latin typeface="Courier New" panose="02070309020205020404" pitchFamily="49" charset="0"/>
                 <a:cs typeface="Courier New" panose="02070309020205020404" pitchFamily="49" charset="0"/>
               </a:rPr>
-              <a:t> pedido</a:t>
-            </a:r>
-            <a:r>
-              <a:rPr lang="en-US" sz="1200" dirty="0" smtClean="0">
-                <a:solidFill>
-                  <a:schemeClr val="tx2"/>
-                </a:solidFill>
-                <a:latin typeface="Courier New" panose="02070309020205020404" pitchFamily="49" charset="0"/>
-                <a:cs typeface="Courier New" panose="02070309020205020404" pitchFamily="49" charset="0"/>
-              </a:rPr>
-              <a:t>:590032 2 1</a:t>
+              <a:t> pedido:590032 2 1</a:t>
             </a:r>
             <a:endParaRPr lang="en-US" sz="1200" dirty="0">
               <a:solidFill>
@@ -13106,25 +13083,8 @@
                 <a:latin typeface="Courier New" panose="02070309020205020404" pitchFamily="49" charset="0"/>
                 <a:cs typeface="Courier New" panose="02070309020205020404" pitchFamily="49" charset="0"/>
               </a:rPr>
-              <a:t>(integer) </a:t>
-            </a:r>
-            <a:r>
-              <a:rPr lang="pt-BR" sz="1200" dirty="0" smtClean="0">
-                <a:solidFill>
-                  <a:schemeClr val="tx2"/>
-                </a:solidFill>
-                <a:latin typeface="Courier New" panose="02070309020205020404" pitchFamily="49" charset="0"/>
-                <a:cs typeface="Courier New" panose="02070309020205020404" pitchFamily="49" charset="0"/>
-              </a:rPr>
-              <a:t>0</a:t>
-            </a:r>
-            <a:endParaRPr lang="pt-BR" sz="1200" dirty="0" smtClean="0">
-              <a:solidFill>
-                <a:schemeClr val="tx2"/>
-              </a:solidFill>
-              <a:latin typeface="Courier New" panose="02070309020205020404" pitchFamily="49" charset="0"/>
-              <a:cs typeface="Courier New" panose="02070309020205020404" pitchFamily="49" charset="0"/>
-            </a:endParaRPr>
+              <a:t>(integer) 0</a:t>
+            </a:r>
           </a:p>
         </p:txBody>
       </p:sp>
@@ -22934,8 +22894,12 @@
           <a:lstStyle/>
           <a:p>
             <a:r>
-              <a:rPr lang="pt-BR" dirty="0" smtClean="0"/>
-              <a:t>Redis Cluster</a:t>
+              <a:rPr lang="pt-BR" smtClean="0"/>
+              <a:t>Redis </a:t>
+            </a:r>
+            <a:r>
+              <a:rPr lang="pt-BR" smtClean="0"/>
+              <a:t>Cluster</a:t>
             </a:r>
             <a:endParaRPr lang="en-US" dirty="0"/>
           </a:p>
@@ -25476,6 +25440,21 @@
 </file>
 
 <file path=customXml/item1.xml><?xml version="1.0" encoding="utf-8"?>
+<p:properties xmlns:p="http://schemas.microsoft.com/office/2006/metadata/properties" xmlns:xsi="http://www.w3.org/2001/XMLSchema-instance">
+  <documentManagement/>
+</p:properties>
+</file>
+
+<file path=customXml/item2.xml><?xml version="1.0" encoding="utf-8"?>
+<?mso-contentType ?>
+<FormTemplates xmlns="http://schemas.microsoft.com/sharepoint/v3/contenttype/forms">
+  <Display>DocumentLibraryForm</Display>
+  <Edit>DocumentLibraryForm</Edit>
+  <New>DocumentLibraryForm</New>
+</FormTemplates>
+</file>
+
+<file path=customXml/item3.xml><?xml version="1.0" encoding="utf-8"?>
 <ct:contentTypeSchema xmlns:ct="http://schemas.microsoft.com/office/2006/metadata/contentType" xmlns:ma="http://schemas.microsoft.com/office/2006/metadata/properties/metaAttributes" ct:_="" ma:_="" ma:contentTypeName="Document" ma:contentTypeID="0x010100EAEEBEE83C66E54EA9BED83B0A9A60DB" ma:contentTypeVersion="1" ma:contentTypeDescription="Create a new document." ma:contentTypeScope="" ma:versionID="51a43b2161297f783d65b37e357c79e9">
   <xsd:schema xmlns:xsd="http://www.w3.org/2001/XMLSchema" xmlns:p="http://schemas.microsoft.com/office/2006/metadata/properties" targetNamespace="http://schemas.microsoft.com/office/2006/metadata/properties" ma:root="true" ma:fieldsID="b9cfef283e0bc2d986a66f9ec0cdc424">
     <xsd:element name="properties">
@@ -25524,37 +25503,7 @@
 </ct:contentTypeSchema>
 </file>
 
-<file path=customXml/item2.xml><?xml version="1.0" encoding="utf-8"?>
-<p:properties xmlns:p="http://schemas.microsoft.com/office/2006/metadata/properties" xmlns:xsi="http://www.w3.org/2001/XMLSchema-instance">
-  <documentManagement/>
-</p:properties>
-</file>
-
-<file path=customXml/item3.xml><?xml version="1.0" encoding="utf-8"?>
-<?mso-contentType ?>
-<FormTemplates xmlns="http://schemas.microsoft.com/sharepoint/v3/contenttype/forms">
-  <Display>DocumentLibraryForm</Display>
-  <Edit>DocumentLibraryForm</Edit>
-  <New>DocumentLibraryForm</New>
-</FormTemplates>
-</file>
-
 <file path=customXml/itemProps1.xml><?xml version="1.0" encoding="utf-8"?>
-<ds:datastoreItem xmlns:ds="http://schemas.openxmlformats.org/officeDocument/2006/customXml" ds:itemID="{A3332CB6-AB82-4DD3-8C89-C660A1C3944B}">
-  <ds:schemaRefs>
-    <ds:schemaRef ds:uri="http://schemas.microsoft.com/office/2006/metadata/contentType"/>
-    <ds:schemaRef ds:uri="http://schemas.microsoft.com/office/2006/metadata/properties/metaAttributes"/>
-    <ds:schemaRef ds:uri="http://www.w3.org/2001/XMLSchema"/>
-    <ds:schemaRef ds:uri="http://schemas.microsoft.com/office/2006/metadata/properties"/>
-    <ds:schemaRef ds:uri="http://schemas.openxmlformats.org/package/2006/metadata/core-properties"/>
-    <ds:schemaRef ds:uri="http://purl.org/dc/elements/1.1/"/>
-    <ds:schemaRef ds:uri="http://purl.org/dc/terms/"/>
-    <ds:schemaRef ds:uri="http://schemas.microsoft.com/office/internal/2005/internalDocumentation"/>
-  </ds:schemaRefs>
-</ds:datastoreItem>
-</file>
-
-<file path=customXml/itemProps2.xml><?xml version="1.0" encoding="utf-8"?>
 <ds:datastoreItem xmlns:ds="http://schemas.openxmlformats.org/officeDocument/2006/customXml" ds:itemID="{0873BDD3-AA35-4F19-A12A-C6462BECFBD1}">
   <ds:schemaRefs>
     <ds:schemaRef ds:uri="http://purl.org/dc/dcmitype/"/>
@@ -25568,10 +25517,25 @@
 </ds:datastoreItem>
 </file>
 
-<file path=customXml/itemProps3.xml><?xml version="1.0" encoding="utf-8"?>
+<file path=customXml/itemProps2.xml><?xml version="1.0" encoding="utf-8"?>
 <ds:datastoreItem xmlns:ds="http://schemas.openxmlformats.org/officeDocument/2006/customXml" ds:itemID="{86FC490B-1F77-48C5-AC70-1DD939DBDF04}">
   <ds:schemaRefs>
     <ds:schemaRef ds:uri="http://schemas.microsoft.com/sharepoint/v3/contenttype/forms"/>
   </ds:schemaRefs>
 </ds:datastoreItem>
+</file>
+
+<file path=customXml/itemProps3.xml><?xml version="1.0" encoding="utf-8"?>
+<ds:datastoreItem xmlns:ds="http://schemas.openxmlformats.org/officeDocument/2006/customXml" ds:itemID="{A3332CB6-AB82-4DD3-8C89-C660A1C3944B}">
+  <ds:schemaRefs>
+    <ds:schemaRef ds:uri="http://schemas.microsoft.com/office/2006/metadata/contentType"/>
+    <ds:schemaRef ds:uri="http://schemas.microsoft.com/office/2006/metadata/properties/metaAttributes"/>
+    <ds:schemaRef ds:uri="http://www.w3.org/2001/XMLSchema"/>
+    <ds:schemaRef ds:uri="http://schemas.microsoft.com/office/2006/metadata/properties"/>
+    <ds:schemaRef ds:uri="http://schemas.openxmlformats.org/package/2006/metadata/core-properties"/>
+    <ds:schemaRef ds:uri="http://purl.org/dc/elements/1.1/"/>
+    <ds:schemaRef ds:uri="http://purl.org/dc/terms/"/>
+    <ds:schemaRef ds:uri="http://schemas.microsoft.com/office/internal/2005/internalDocumentation"/>
+  </ds:schemaRefs>
+</ds:datastoreItem>
 </file>